--- a/Data_Analytics_2018/PPT/Lesson 03 - Data Analytics -  Hadoop.pptx
+++ b/Data_Analytics_2018/PPT/Lesson 03 - Data Analytics -  Hadoop.pptx
@@ -2,7 +2,7 @@
 <file path=ppt/presentation.xml><?xml version="1.0" encoding="utf-8"?>
 <p:presentation xmlns:a="http://schemas.openxmlformats.org/drawingml/2006/main" xmlns:r="http://schemas.openxmlformats.org/officeDocument/2006/relationships" xmlns:p="http://schemas.openxmlformats.org/presentationml/2006/main" saveSubsetFonts="1">
   <p:sldMasterIdLst>
-    <p:sldMasterId id="2147483678" r:id="rId1"/>
+    <p:sldMasterId id="2147483691" r:id="rId1"/>
   </p:sldMasterIdLst>
   <p:sldIdLst>
     <p:sldId id="256" r:id="rId2"/>
@@ -6096,7 +6096,7 @@
         </p:nvSpPr>
         <p:spPr>
           <a:xfrm>
-            <a:off x="152400" y="6443433"/>
+            <a:off x="152400" y="6485768"/>
             <a:ext cx="2743200" cy="365125"/>
           </a:xfrm>
         </p:spPr>
@@ -6106,7 +6106,7 @@
           <a:p>
             <a:fld id="{243B570E-6BE2-493C-8C86-B8378068DB77}" type="datetimeFigureOut">
               <a:rPr lang="en-US" smtClean="0"/>
-              <a:t>8/1/2018</a:t>
+              <a:t>8/11/2018</a:t>
             </a:fld>
             <a:endParaRPr lang="en-US" dirty="0"/>
           </a:p>
@@ -6124,7 +6124,7 @@
         </p:nvSpPr>
         <p:spPr>
           <a:xfrm>
-            <a:off x="4038600" y="6443434"/>
+            <a:off x="4038600" y="6485769"/>
             <a:ext cx="4114800" cy="365125"/>
           </a:xfrm>
         </p:spPr>
@@ -6148,7 +6148,7 @@
         </p:nvSpPr>
         <p:spPr>
           <a:xfrm>
-            <a:off x="9361714" y="6443432"/>
+            <a:off x="9361714" y="6485767"/>
             <a:ext cx="2743200" cy="365125"/>
           </a:xfrm>
         </p:spPr>
@@ -6167,7 +6167,7 @@
     </p:spTree>
     <p:extLst>
       <p:ext uri="{BB962C8B-B14F-4D97-AF65-F5344CB8AC3E}">
-        <p14:creationId xmlns:p14="http://schemas.microsoft.com/office/powerpoint/2010/main" val="2120327976"/>
+        <p14:creationId xmlns:p14="http://schemas.microsoft.com/office/powerpoint/2010/main" val="2433266225"/>
       </p:ext>
     </p:extLst>
   </p:cSld>
@@ -6372,7 +6372,7 @@
           <a:p>
             <a:fld id="{243B570E-6BE2-493C-8C86-B8378068DB77}" type="datetimeFigureOut">
               <a:rPr lang="en-US" smtClean="0"/>
-              <a:t>8/1/2018</a:t>
+              <a:t>8/11/2018</a:t>
             </a:fld>
             <a:endParaRPr lang="en-US" dirty="0"/>
           </a:p>
@@ -6423,7 +6423,7 @@
     </p:spTree>
     <p:extLst>
       <p:ext uri="{BB962C8B-B14F-4D97-AF65-F5344CB8AC3E}">
-        <p14:creationId xmlns:p14="http://schemas.microsoft.com/office/powerpoint/2010/main" val="213749985"/>
+        <p14:creationId xmlns:p14="http://schemas.microsoft.com/office/powerpoint/2010/main" val="73072459"/>
       </p:ext>
     </p:extLst>
   </p:cSld>
@@ -6545,7 +6545,7 @@
           <a:p>
             <a:fld id="{243B570E-6BE2-493C-8C86-B8378068DB77}" type="datetimeFigureOut">
               <a:rPr lang="en-US" smtClean="0"/>
-              <a:t>8/1/2018</a:t>
+              <a:t>8/11/2018</a:t>
             </a:fld>
             <a:endParaRPr lang="en-US" dirty="0"/>
           </a:p>
@@ -6596,7 +6596,7 @@
     </p:spTree>
     <p:extLst>
       <p:ext uri="{BB962C8B-B14F-4D97-AF65-F5344CB8AC3E}">
-        <p14:creationId xmlns:p14="http://schemas.microsoft.com/office/powerpoint/2010/main" val="2222560268"/>
+        <p14:creationId xmlns:p14="http://schemas.microsoft.com/office/powerpoint/2010/main" val="2095278552"/>
       </p:ext>
     </p:extLst>
   </p:cSld>
@@ -6723,7 +6723,7 @@
           <a:p>
             <a:fld id="{243B570E-6BE2-493C-8C86-B8378068DB77}" type="datetimeFigureOut">
               <a:rPr lang="en-US" smtClean="0"/>
-              <a:t>8/1/2018</a:t>
+              <a:t>8/11/2018</a:t>
             </a:fld>
             <a:endParaRPr lang="en-US" dirty="0"/>
           </a:p>
@@ -6774,7 +6774,7 @@
     </p:spTree>
     <p:extLst>
       <p:ext uri="{BB962C8B-B14F-4D97-AF65-F5344CB8AC3E}">
-        <p14:creationId xmlns:p14="http://schemas.microsoft.com/office/powerpoint/2010/main" val="3996402000"/>
+        <p14:creationId xmlns:p14="http://schemas.microsoft.com/office/powerpoint/2010/main" val="524638142"/>
       </p:ext>
     </p:extLst>
   </p:cSld>
@@ -6944,7 +6944,7 @@
           <a:p>
             <a:fld id="{243B570E-6BE2-493C-8C86-B8378068DB77}" type="datetimeFigureOut">
               <a:rPr lang="en-US" smtClean="0"/>
-              <a:t>8/1/2018</a:t>
+              <a:t>8/11/2018</a:t>
             </a:fld>
             <a:endParaRPr lang="en-US" dirty="0"/>
           </a:p>
@@ -7019,7 +7019,7 @@
     </p:spTree>
     <p:extLst>
       <p:ext uri="{BB962C8B-B14F-4D97-AF65-F5344CB8AC3E}">
-        <p14:creationId xmlns:p14="http://schemas.microsoft.com/office/powerpoint/2010/main" val="2969224186"/>
+        <p14:creationId xmlns:p14="http://schemas.microsoft.com/office/powerpoint/2010/main" val="3680976325"/>
       </p:ext>
     </p:extLst>
   </p:cSld>
@@ -7145,7 +7145,7 @@
             <a:fld id="{243B570E-6BE2-493C-8C86-B8378068DB77}" type="datetimeFigureOut">
               <a:rPr lang="en-US" smtClean="0"/>
               <a:pPr/>
-              <a:t>8/1/2018</a:t>
+              <a:t>8/11/2018</a:t>
             </a:fld>
             <a:endParaRPr lang="en-US" dirty="0"/>
           </a:p>
@@ -7221,7 +7221,7 @@
     </p:spTree>
     <p:extLst>
       <p:ext uri="{BB962C8B-B14F-4D97-AF65-F5344CB8AC3E}">
-        <p14:creationId xmlns:p14="http://schemas.microsoft.com/office/powerpoint/2010/main" val="1458015367"/>
+        <p14:creationId xmlns:p14="http://schemas.microsoft.com/office/powerpoint/2010/main" val="1386807298"/>
       </p:ext>
     </p:extLst>
   </p:cSld>
@@ -7420,7 +7420,7 @@
           <a:p>
             <a:fld id="{243B570E-6BE2-493C-8C86-B8378068DB77}" type="datetimeFigureOut">
               <a:rPr lang="en-US" smtClean="0"/>
-              <a:t>8/1/2018</a:t>
+              <a:t>8/11/2018</a:t>
             </a:fld>
             <a:endParaRPr lang="en-US" dirty="0"/>
           </a:p>
@@ -7471,7 +7471,7 @@
     </p:spTree>
     <p:extLst>
       <p:ext uri="{BB962C8B-B14F-4D97-AF65-F5344CB8AC3E}">
-        <p14:creationId xmlns:p14="http://schemas.microsoft.com/office/powerpoint/2010/main" val="1617824780"/>
+        <p14:creationId xmlns:p14="http://schemas.microsoft.com/office/powerpoint/2010/main" val="2239839693"/>
       </p:ext>
     </p:extLst>
   </p:cSld>
@@ -7517,6 +7517,7 @@
               <a:rPr lang="en-US"/>
               <a:t>Click to edit Master title style</a:t>
             </a:r>
+            <a:endParaRPr lang="en-US" dirty="0"/>
           </a:p>
         </p:txBody>
       </p:sp>
@@ -7532,8 +7533,8 @@
         </p:nvSpPr>
         <p:spPr>
           <a:xfrm>
-            <a:off x="838200" y="1825625"/>
-            <a:ext cx="5181600" cy="4351338"/>
+            <a:off x="406400" y="1354666"/>
+            <a:ext cx="5613400" cy="5046134"/>
           </a:xfrm>
         </p:spPr>
         <p:txBody>
@@ -7640,8 +7641,8 @@
         </p:nvSpPr>
         <p:spPr>
           <a:xfrm>
-            <a:off x="6172200" y="1825625"/>
-            <a:ext cx="5181600" cy="4351338"/>
+            <a:off x="6172199" y="1354666"/>
+            <a:ext cx="5469467" cy="5046134"/>
           </a:xfrm>
         </p:spPr>
         <p:txBody>
@@ -7681,6 +7682,7 @@
               <a:rPr lang="en-US"/>
               <a:t>Fifth level</a:t>
             </a:r>
+            <a:endParaRPr lang="en-US" dirty="0"/>
           </a:p>
         </p:txBody>
       </p:sp>
@@ -7701,7 +7703,7 @@
           <a:p>
             <a:fld id="{243B570E-6BE2-493C-8C86-B8378068DB77}" type="datetimeFigureOut">
               <a:rPr lang="en-US" smtClean="0"/>
-              <a:t>8/1/2018</a:t>
+              <a:t>8/11/2018</a:t>
             </a:fld>
             <a:endParaRPr lang="en-US" dirty="0"/>
           </a:p>
@@ -7752,7 +7754,7 @@
     </p:spTree>
     <p:extLst>
       <p:ext uri="{BB962C8B-B14F-4D97-AF65-F5344CB8AC3E}">
-        <p14:creationId xmlns:p14="http://schemas.microsoft.com/office/powerpoint/2010/main" val="3118060418"/>
+        <p14:creationId xmlns:p14="http://schemas.microsoft.com/office/powerpoint/2010/main" val="1955955666"/>
       </p:ext>
     </p:extLst>
   </p:cSld>
@@ -7791,8 +7793,8 @@
         </p:nvSpPr>
         <p:spPr>
           <a:xfrm>
-            <a:off x="839788" y="161926"/>
-            <a:ext cx="8536439" cy="1325563"/>
+            <a:off x="381000" y="5555"/>
+            <a:ext cx="10151533" cy="1325563"/>
           </a:xfrm>
         </p:spPr>
         <p:txBody>
@@ -7813,17 +7815,17 @@
             <a:spLocks noGrp="1"/>
           </p:cNvSpPr>
           <p:nvPr>
-            <p:ph type="body" idx="1"/>
+            <p:ph type="body" idx="1" hasCustomPrompt="1"/>
           </p:nvPr>
         </p:nvSpPr>
         <p:spPr>
           <a:xfrm>
-            <a:off x="839788" y="1681163"/>
-            <a:ext cx="5157787" cy="823912"/>
+            <a:off x="381000" y="1444096"/>
+            <a:ext cx="5616575" cy="823912"/>
           </a:xfrm>
         </p:spPr>
         <p:txBody>
-          <a:bodyPr anchor="b"/>
+          <a:bodyPr anchor="ctr"/>
           <a:lstStyle>
             <a:lvl1pPr marL="0" indent="0">
               <a:buNone/>
@@ -7865,8 +7867,8 @@
           <a:p>
             <a:pPr lvl="0"/>
             <a:r>
-              <a:rPr lang="en-US"/>
-              <a:t>Edit Master text styles</a:t>
+              <a:rPr lang="en-US" dirty="0"/>
+              <a:t>Click to edit Master text styles</a:t>
             </a:r>
           </a:p>
         </p:txBody>
@@ -7883,8 +7885,8 @@
         </p:nvSpPr>
         <p:spPr>
           <a:xfrm>
-            <a:off x="839788" y="2505075"/>
-            <a:ext cx="5157787" cy="3684588"/>
+            <a:off x="381000" y="2268007"/>
+            <a:ext cx="5616575" cy="4014259"/>
           </a:xfrm>
         </p:spPr>
         <p:txBody>
@@ -7934,17 +7936,17 @@
             <a:spLocks noGrp="1"/>
           </p:cNvSpPr>
           <p:nvPr>
-            <p:ph type="body" sz="quarter" idx="3"/>
+            <p:ph type="body" sz="quarter" idx="3" hasCustomPrompt="1"/>
           </p:nvPr>
         </p:nvSpPr>
         <p:spPr>
           <a:xfrm>
-            <a:off x="6172200" y="1681163"/>
-            <a:ext cx="5183188" cy="823912"/>
+            <a:off x="6172200" y="1444096"/>
+            <a:ext cx="5638800" cy="823912"/>
           </a:xfrm>
         </p:spPr>
         <p:txBody>
-          <a:bodyPr anchor="b"/>
+          <a:bodyPr anchor="ctr"/>
           <a:lstStyle>
             <a:lvl1pPr marL="0" indent="0">
               <a:buNone/>
@@ -7986,8 +7988,8 @@
           <a:p>
             <a:pPr lvl="0"/>
             <a:r>
-              <a:rPr lang="en-US"/>
-              <a:t>Edit Master text styles</a:t>
+              <a:rPr lang="en-US" dirty="0"/>
+              <a:t>Click to edit Master text styles</a:t>
             </a:r>
           </a:p>
         </p:txBody>
@@ -8004,8 +8006,8 @@
         </p:nvSpPr>
         <p:spPr>
           <a:xfrm>
-            <a:off x="6172200" y="2505075"/>
-            <a:ext cx="5183188" cy="3684588"/>
+            <a:off x="6172199" y="2268007"/>
+            <a:ext cx="5616575" cy="4014259"/>
           </a:xfrm>
         </p:spPr>
         <p:txBody>
@@ -8065,7 +8067,7 @@
           <a:p>
             <a:fld id="{243B570E-6BE2-493C-8C86-B8378068DB77}" type="datetimeFigureOut">
               <a:rPr lang="en-US" smtClean="0"/>
-              <a:t>8/1/2018</a:t>
+              <a:t>8/11/2018</a:t>
             </a:fld>
             <a:endParaRPr lang="en-US" dirty="0"/>
           </a:p>
@@ -8116,7 +8118,7 @@
     </p:spTree>
     <p:extLst>
       <p:ext uri="{BB962C8B-B14F-4D97-AF65-F5344CB8AC3E}">
-        <p14:creationId xmlns:p14="http://schemas.microsoft.com/office/powerpoint/2010/main" val="2816103202"/>
+        <p14:creationId xmlns:p14="http://schemas.microsoft.com/office/powerpoint/2010/main" val="2059686633"/>
       </p:ext>
     </p:extLst>
   </p:cSld>
@@ -8196,7 +8198,7 @@
             <a:fld id="{243B570E-6BE2-493C-8C86-B8378068DB77}" type="datetimeFigureOut">
               <a:rPr lang="en-US" smtClean="0"/>
               <a:pPr/>
-              <a:t>8/1/2018</a:t>
+              <a:t>8/11/2018</a:t>
             </a:fld>
             <a:endParaRPr lang="en-US" dirty="0"/>
           </a:p>
@@ -8272,7 +8274,7 @@
     </p:spTree>
     <p:extLst>
       <p:ext uri="{BB962C8B-B14F-4D97-AF65-F5344CB8AC3E}">
-        <p14:creationId xmlns:p14="http://schemas.microsoft.com/office/powerpoint/2010/main" val="301065079"/>
+        <p14:creationId xmlns:p14="http://schemas.microsoft.com/office/powerpoint/2010/main" val="3073113997"/>
       </p:ext>
     </p:extLst>
   </p:cSld>
@@ -8316,7 +8318,7 @@
           <a:p>
             <a:fld id="{243B570E-6BE2-493C-8C86-B8378068DB77}" type="datetimeFigureOut">
               <a:rPr lang="en-US" smtClean="0"/>
-              <a:t>8/1/2018</a:t>
+              <a:t>8/11/2018</a:t>
             </a:fld>
             <a:endParaRPr lang="en-US" dirty="0"/>
           </a:p>
@@ -8367,7 +8369,7 @@
     </p:spTree>
     <p:extLst>
       <p:ext uri="{BB962C8B-B14F-4D97-AF65-F5344CB8AC3E}">
-        <p14:creationId xmlns:p14="http://schemas.microsoft.com/office/powerpoint/2010/main" val="29369678"/>
+        <p14:creationId xmlns:p14="http://schemas.microsoft.com/office/powerpoint/2010/main" val="3541489135"/>
       </p:ext>
     </p:extLst>
   </p:cSld>
@@ -8591,7 +8593,7 @@
           <a:p>
             <a:fld id="{243B570E-6BE2-493C-8C86-B8378068DB77}" type="datetimeFigureOut">
               <a:rPr lang="en-US" smtClean="0"/>
-              <a:t>8/1/2018</a:t>
+              <a:t>8/11/2018</a:t>
             </a:fld>
             <a:endParaRPr lang="en-US" dirty="0"/>
           </a:p>
@@ -8642,7 +8644,7 @@
     </p:spTree>
     <p:extLst>
       <p:ext uri="{BB962C8B-B14F-4D97-AF65-F5344CB8AC3E}">
-        <p14:creationId xmlns:p14="http://schemas.microsoft.com/office/powerpoint/2010/main" val="3323693616"/>
+        <p14:creationId xmlns:p14="http://schemas.microsoft.com/office/powerpoint/2010/main" val="1064539475"/>
       </p:ext>
     </p:extLst>
   </p:cSld>
@@ -8819,8 +8821,8 @@
         </p:nvSpPr>
         <p:spPr>
           <a:xfrm>
-            <a:off x="406400" y="91440"/>
-            <a:ext cx="11393714" cy="1234123"/>
+            <a:off x="406400" y="6770"/>
+            <a:ext cx="10049933" cy="1234123"/>
           </a:xfrm>
           <a:prstGeom prst="rect">
             <a:avLst/>
@@ -8851,8 +8853,8 @@
         </p:nvSpPr>
         <p:spPr>
           <a:xfrm>
-            <a:off x="406400" y="1489166"/>
-            <a:ext cx="11393714" cy="4687797"/>
+            <a:off x="406400" y="1337187"/>
+            <a:ext cx="11393714" cy="5064803"/>
           </a:xfrm>
           <a:prstGeom prst="rect">
             <a:avLst/>
@@ -8934,7 +8936,7 @@
           <a:p>
             <a:fld id="{243B570E-6BE2-493C-8C86-B8378068DB77}" type="datetimeFigureOut">
               <a:rPr lang="en-US" smtClean="0"/>
-              <a:t>8/1/2018</a:t>
+              <a:t>8/11/2018</a:t>
             </a:fld>
             <a:endParaRPr lang="en-US" dirty="0"/>
           </a:p>
@@ -9055,27 +9057,70 @@
           </a:fontRef>
         </p:style>
       </p:cxnSp>
+      <p:pic>
+        <p:nvPicPr>
+          <p:cNvPr id="10" name="Picture 9" descr="A close up of a sign&#10;&#10;Description generated with very high confidence">
+            <a:extLst>
+              <a:ext uri="{FF2B5EF4-FFF2-40B4-BE49-F238E27FC236}">
+                <a16:creationId xmlns:a16="http://schemas.microsoft.com/office/drawing/2014/main" id="{6D9D6532-6138-406D-8115-7BAFD8D73FEB}"/>
+              </a:ext>
+            </a:extLst>
+          </p:cNvPr>
+          <p:cNvPicPr>
+            <a:picLocks noChangeAspect="1"/>
+          </p:cNvPicPr>
+          <p:nvPr/>
+        </p:nvPicPr>
+        <p:blipFill>
+          <a:blip r:embed="rId16">
+            <a:duotone>
+              <a:schemeClr val="bg2">
+                <a:shade val="45000"/>
+                <a:satMod val="135000"/>
+              </a:schemeClr>
+              <a:prstClr val="white"/>
+            </a:duotone>
+            <a:extLst>
+              <a:ext uri="{28A0092B-C50C-407E-A947-70E740481C1C}">
+                <a14:useLocalDpi xmlns:a14="http://schemas.microsoft.com/office/drawing/2010/main" val="0"/>
+              </a:ext>
+            </a:extLst>
+          </a:blip>
+          <a:stretch>
+            <a:fillRect/>
+          </a:stretch>
+        </p:blipFill>
+        <p:spPr>
+          <a:xfrm>
+            <a:off x="10634133" y="96294"/>
+            <a:ext cx="1165981" cy="1229580"/>
+          </a:xfrm>
+          <a:prstGeom prst="rect">
+            <a:avLst/>
+          </a:prstGeom>
+        </p:spPr>
+      </p:pic>
     </p:spTree>
     <p:extLst>
       <p:ext uri="{BB962C8B-B14F-4D97-AF65-F5344CB8AC3E}">
-        <p14:creationId xmlns:p14="http://schemas.microsoft.com/office/powerpoint/2010/main" val="3565708042"/>
+        <p14:creationId xmlns:p14="http://schemas.microsoft.com/office/powerpoint/2010/main" val="479852945"/>
       </p:ext>
     </p:extLst>
   </p:cSld>
   <p:clrMap bg1="lt1" tx1="dk1" bg2="lt2" tx2="dk2" accent1="accent1" accent2="accent2" accent3="accent3" accent4="accent4" accent5="accent5" accent6="accent6" hlink="hlink" folHlink="folHlink"/>
   <p:sldLayoutIdLst>
-    <p:sldLayoutId id="2147483679" r:id="rId1"/>
-    <p:sldLayoutId id="2147483680" r:id="rId2"/>
-    <p:sldLayoutId id="2147483681" r:id="rId3"/>
-    <p:sldLayoutId id="2147483682" r:id="rId4"/>
-    <p:sldLayoutId id="2147483683" r:id="rId5"/>
-    <p:sldLayoutId id="2147483684" r:id="rId6"/>
-    <p:sldLayoutId id="2147483685" r:id="rId7"/>
-    <p:sldLayoutId id="2147483686" r:id="rId8"/>
-    <p:sldLayoutId id="2147483687" r:id="rId9"/>
-    <p:sldLayoutId id="2147483688" r:id="rId10"/>
-    <p:sldLayoutId id="2147483689" r:id="rId11"/>
-    <p:sldLayoutId id="2147483690" r:id="rId12"/>
+    <p:sldLayoutId id="2147483692" r:id="rId1"/>
+    <p:sldLayoutId id="2147483693" r:id="rId2"/>
+    <p:sldLayoutId id="2147483694" r:id="rId3"/>
+    <p:sldLayoutId id="2147483695" r:id="rId4"/>
+    <p:sldLayoutId id="2147483696" r:id="rId5"/>
+    <p:sldLayoutId id="2147483697" r:id="rId6"/>
+    <p:sldLayoutId id="2147483698" r:id="rId7"/>
+    <p:sldLayoutId id="2147483699" r:id="rId8"/>
+    <p:sldLayoutId id="2147483700" r:id="rId9"/>
+    <p:sldLayoutId id="2147483701" r:id="rId10"/>
+    <p:sldLayoutId id="2147483702" r:id="rId11"/>
+    <p:sldLayoutId id="2147483703" r:id="rId12"/>
   </p:sldLayoutIdLst>
   <p:txStyles>
     <p:titleStyle>
@@ -9850,7 +9895,7 @@
         <p:spPr/>
         <p:txBody>
           <a:bodyPr>
-            <a:normAutofit lnSpcReduction="10000"/>
+            <a:normAutofit/>
           </a:bodyPr>
           <a:lstStyle/>
           <a:p>
@@ -10030,7 +10075,7 @@
         <p:spPr/>
         <p:txBody>
           <a:bodyPr>
-            <a:normAutofit fontScale="92500"/>
+            <a:normAutofit lnSpcReduction="10000"/>
           </a:bodyPr>
           <a:lstStyle/>
           <a:p>
@@ -10141,7 +10186,7 @@
         <p:spPr/>
         <p:txBody>
           <a:bodyPr>
-            <a:normAutofit fontScale="77500" lnSpcReduction="20000"/>
+            <a:normAutofit fontScale="85000" lnSpcReduction="20000"/>
           </a:bodyPr>
           <a:lstStyle/>
           <a:p>
@@ -14887,8 +14932,8 @@
         </p:blipFill>
         <p:spPr>
           <a:xfrm>
-            <a:off x="1476092" y="1445962"/>
-            <a:ext cx="9459002" cy="4942328"/>
+            <a:off x="2293144" y="1878806"/>
+            <a:ext cx="7620000" cy="3981450"/>
           </a:xfrm>
           <a:prstGeom prst="rect">
             <a:avLst/>
@@ -16489,7 +16534,7 @@
         </p:blipFill>
         <p:spPr>
           <a:xfrm>
-            <a:off x="587399" y="2061121"/>
+            <a:off x="587399" y="2097634"/>
             <a:ext cx="11031489" cy="3543795"/>
           </a:xfrm>
           <a:prstGeom prst="rect">
@@ -18380,8 +18425,8 @@
         </p:blipFill>
         <p:spPr>
           <a:xfrm>
-            <a:off x="2977885" y="1489075"/>
-            <a:ext cx="6250517" cy="4687888"/>
+            <a:off x="2726002" y="1336675"/>
+            <a:ext cx="6754284" cy="5065713"/>
           </a:xfrm>
         </p:spPr>
       </p:pic>
@@ -19026,7 +19071,7 @@
         <p:spPr/>
         <p:txBody>
           <a:bodyPr>
-            <a:normAutofit fontScale="70000" lnSpcReduction="20000"/>
+            <a:normAutofit fontScale="77500" lnSpcReduction="20000"/>
           </a:bodyPr>
           <a:lstStyle/>
           <a:p>
@@ -19558,7 +19603,7 @@
         <p:spPr/>
         <p:txBody>
           <a:bodyPr>
-            <a:normAutofit fontScale="70000" lnSpcReduction="20000"/>
+            <a:normAutofit fontScale="77500" lnSpcReduction="20000"/>
           </a:bodyPr>
           <a:lstStyle/>
           <a:p>
@@ -19918,7 +19963,7 @@
   <a:extraClrSchemeLst/>
   <a:extLst>
     <a:ext uri="{05A4C25C-085E-4340-85A3-A5531E510DB2}">
-      <thm15:themeFamily xmlns:thm15="http://schemas.microsoft.com/office/thememl/2012/main" name="Lesson 12 - Data Analytics - GLMs" id="{2D671843-01B0-4809-83B7-DCD6022711AC}" vid="{631529AC-459A-4F8A-9050-54C0368E42C7}"/>
+      <thm15:themeFamily xmlns:thm15="http://schemas.microsoft.com/office/thememl/2012/main" name="Analytics_World" id="{0D0CA6F4-4249-491F-90A1-38D2E759BAFB}" vid="{73C02A8C-8EF0-4E7B-9EF2-CA7EFEB1E564}"/>
     </a:ext>
   </a:extLst>
 </a:theme>
